--- a/原设计/设计报告v2.pptx
+++ b/原设计/设计报告v2.pptx
@@ -5,7 +5,7 @@
     <p:sldMasterId id="2147483648" r:id="rId4"/>
   </p:sldMasterIdLst>
   <p:notesMasterIdLst>
-    <p:notesMasterId r:id="rId21"/>
+    <p:notesMasterId r:id="rId24"/>
   </p:notesMasterIdLst>
   <p:sldIdLst>
     <p:sldId id="256" r:id="rId5"/>
@@ -20,15 +20,18 @@
     <p:sldId id="310" r:id="rId14"/>
     <p:sldId id="320" r:id="rId15"/>
     <p:sldId id="322" r:id="rId16"/>
-    <p:sldId id="311" r:id="rId17"/>
-    <p:sldId id="321" r:id="rId18"/>
-    <p:sldId id="323" r:id="rId19"/>
-    <p:sldId id="260" r:id="rId20"/>
+    <p:sldId id="324" r:id="rId17"/>
+    <p:sldId id="325" r:id="rId18"/>
+    <p:sldId id="311" r:id="rId19"/>
+    <p:sldId id="326" r:id="rId20"/>
+    <p:sldId id="321" r:id="rId21"/>
+    <p:sldId id="323" r:id="rId22"/>
+    <p:sldId id="260" r:id="rId23"/>
   </p:sldIdLst>
   <p:sldSz cx="12192000" cy="6858000"/>
   <p:notesSz cx="6858000" cy="9144000"/>
   <p:custDataLst>
-    <p:tags r:id="rId22"/>
+    <p:tags r:id="rId25"/>
   </p:custDataLst>
   <p:defaultTextStyle>
     <a:defPPr>
@@ -215,7 +218,7 @@
           <a:p>
             <a:fld id="{D7BBE6FB-4983-42F5-B216-1A2ADEE7DF7A}" type="datetimeFigureOut">
               <a:rPr lang="zh-CN" altLang="en-US" smtClean="0"/>
-              <a:t>2021/11/23</a:t>
+              <a:t>2022/1/18</a:t>
             </a:fld>
             <a:endParaRPr lang="zh-CN" altLang="en-US"/>
           </a:p>
@@ -4056,6 +4059,467 @@
   <p:cSld>
     <p:spTree>
       <p:nvGrpSpPr>
+        <p:cNvPr id="1" name=""/>
+        <p:cNvGrpSpPr/>
+        <p:nvPr/>
+      </p:nvGrpSpPr>
+      <p:grpSpPr>
+        <a:xfrm>
+          <a:off x="0" y="0"/>
+          <a:ext cx="0" cy="0"/>
+          <a:chOff x="0" y="0"/>
+          <a:chExt cx="0" cy="0"/>
+        </a:xfrm>
+      </p:grpSpPr>
+      <p:sp>
+        <p:nvSpPr>
+          <p:cNvPr id="2" name="标题 1">
+            <a:extLst>
+              <a:ext uri="{FF2B5EF4-FFF2-40B4-BE49-F238E27FC236}">
+                <a16:creationId xmlns:a16="http://schemas.microsoft.com/office/drawing/2014/main" id="{DBEE4F64-76D1-421A-8F8A-95E95CEA86DF}"/>
+              </a:ext>
+            </a:extLst>
+          </p:cNvPr>
+          <p:cNvSpPr>
+            <a:spLocks noGrp="1"/>
+          </p:cNvSpPr>
+          <p:nvPr>
+            <p:ph type="title"/>
+          </p:nvPr>
+        </p:nvSpPr>
+        <p:spPr/>
+        <p:txBody>
+          <a:bodyPr/>
+          <a:lstStyle/>
+          <a:p>
+            <a:r>
+              <a:rPr lang="en-US" altLang="zh-CN" dirty="0"/>
+              <a:t>3.1	</a:t>
+            </a:r>
+            <a:r>
+              <a:rPr lang="zh-CN" altLang="en-US" dirty="0"/>
+              <a:t>百科文本的演变过程</a:t>
+            </a:r>
+          </a:p>
+        </p:txBody>
+      </p:sp>
+      <p:sp>
+        <p:nvSpPr>
+          <p:cNvPr id="3" name="灯片编号占位符 2">
+            <a:extLst>
+              <a:ext uri="{FF2B5EF4-FFF2-40B4-BE49-F238E27FC236}">
+                <a16:creationId xmlns:a16="http://schemas.microsoft.com/office/drawing/2014/main" id="{A89B0870-A925-4420-B531-FAA2A8B7FFAA}"/>
+              </a:ext>
+            </a:extLst>
+          </p:cNvPr>
+          <p:cNvSpPr>
+            <a:spLocks noGrp="1"/>
+          </p:cNvSpPr>
+          <p:nvPr>
+            <p:ph type="sldNum" sz="quarter" idx="12"/>
+          </p:nvPr>
+        </p:nvSpPr>
+        <p:spPr/>
+        <p:txBody>
+          <a:bodyPr/>
+          <a:lstStyle/>
+          <a:p>
+            <a:fld id="{5DD3DB80-B894-403A-B48E-6FDC1A72010E}" type="slidenum">
+              <a:rPr lang="zh-CN" altLang="en-US" smtClean="0"/>
+              <a:pPr/>
+              <a:t>13</a:t>
+            </a:fld>
+            <a:endParaRPr lang="zh-CN" altLang="en-US"/>
+          </a:p>
+        </p:txBody>
+      </p:sp>
+      <p:sp>
+        <p:nvSpPr>
+          <p:cNvPr id="4" name="文本框 3">
+            <a:extLst>
+              <a:ext uri="{FF2B5EF4-FFF2-40B4-BE49-F238E27FC236}">
+                <a16:creationId xmlns:a16="http://schemas.microsoft.com/office/drawing/2014/main" id="{0D53032A-3839-4EE1-9CD6-D31E9B4B07E8}"/>
+              </a:ext>
+            </a:extLst>
+          </p:cNvPr>
+          <p:cNvSpPr txBox="1"/>
+          <p:nvPr/>
+        </p:nvSpPr>
+        <p:spPr>
+          <a:xfrm>
+            <a:off x="796956" y="1470565"/>
+            <a:ext cx="10035635" cy="2308324"/>
+          </a:xfrm>
+          <a:prstGeom prst="rect">
+            <a:avLst/>
+          </a:prstGeom>
+          <a:noFill/>
+        </p:spPr>
+        <p:txBody>
+          <a:bodyPr wrap="square" rtlCol="0">
+            <a:spAutoFit/>
+          </a:bodyPr>
+          <a:lstStyle/>
+          <a:p>
+            <a:r>
+              <a:rPr lang="zh-CN" altLang="en-US" dirty="0"/>
+              <a:t>文本数据最重要的是其内容随时间的变化趋势，从中需要体现出不同版本随时间的演进历史、不同版本之间的相似性、以及各个时间段争论的焦点。</a:t>
+            </a:r>
+            <a:endParaRPr lang="en-US" altLang="zh-CN" dirty="0"/>
+          </a:p>
+          <a:p>
+            <a:r>
+              <a:rPr lang="zh-CN" altLang="en-US" dirty="0"/>
+              <a:t>计划采用论文 </a:t>
+            </a:r>
+            <a:r>
+              <a:rPr lang="en-US" altLang="zh-CN" i="1" dirty="0"/>
+              <a:t>Time Curves: Folding Time to Visualize Patterns of Temporal Evolution in Data </a:t>
+            </a:r>
+            <a:r>
+              <a:rPr lang="zh-CN" altLang="en-US" dirty="0"/>
+              <a:t>中给出的可视化方式。维基百科文本为一高维向量，需要将其投影到二维，以可视化各版本的相似性。</a:t>
+            </a:r>
+            <a:endParaRPr lang="en-US" altLang="zh-CN" dirty="0"/>
+          </a:p>
+          <a:p>
+            <a:r>
+              <a:rPr lang="zh-CN" altLang="en-US" dirty="0"/>
+              <a:t>利用各个点的亮度来代表事件的先后顺序，如下图所示。</a:t>
+            </a:r>
+            <a:endParaRPr lang="en-US" altLang="zh-CN" dirty="0"/>
+          </a:p>
+          <a:p>
+            <a:r>
+              <a:rPr lang="zh-CN" altLang="en-US" dirty="0"/>
+              <a:t>由于维基百科的编辑次数较大，逐一计算文本向量之间的改动复杂度过高，因此对于改动较小的格式或拼写修改，将其渲染为某次编辑的光晕，而非某个单独的点。</a:t>
+            </a:r>
+            <a:endParaRPr lang="en-US" altLang="zh-CN" dirty="0"/>
+          </a:p>
+          <a:p>
+            <a:r>
+              <a:rPr lang="zh-CN" altLang="en-US" dirty="0"/>
+              <a:t>同时在曲线图一侧展示部分简介，如总编辑次数，总时长等背景。</a:t>
+            </a:r>
+          </a:p>
+        </p:txBody>
+      </p:sp>
+      <p:pic>
+        <p:nvPicPr>
+          <p:cNvPr id="6" name="图片 5">
+            <a:extLst>
+              <a:ext uri="{FF2B5EF4-FFF2-40B4-BE49-F238E27FC236}">
+                <a16:creationId xmlns:a16="http://schemas.microsoft.com/office/drawing/2014/main" id="{53BDFD8B-4BC5-44D6-9D07-DC505731449E}"/>
+              </a:ext>
+            </a:extLst>
+          </p:cNvPr>
+          <p:cNvPicPr>
+            <a:picLocks noChangeAspect="1"/>
+          </p:cNvPicPr>
+          <p:nvPr/>
+        </p:nvPicPr>
+        <p:blipFill>
+          <a:blip r:embed="rId2">
+            <a:clrChange>
+              <a:clrFrom>
+                <a:srgbClr val="FFFFFF"/>
+              </a:clrFrom>
+              <a:clrTo>
+                <a:srgbClr val="FFFFFF">
+                  <a:alpha val="0"/>
+                </a:srgbClr>
+              </a:clrTo>
+            </a:clrChange>
+            <a:extLst>
+              <a:ext uri="{28A0092B-C50C-407E-A947-70E740481C1C}">
+                <a14:useLocalDpi xmlns:a14="http://schemas.microsoft.com/office/drawing/2010/main" val="0"/>
+              </a:ext>
+            </a:extLst>
+          </a:blip>
+          <a:stretch>
+            <a:fillRect/>
+          </a:stretch>
+        </p:blipFill>
+        <p:spPr>
+          <a:xfrm>
+            <a:off x="3136646" y="4004376"/>
+            <a:ext cx="5906012" cy="2209992"/>
+          </a:xfrm>
+          <a:prstGeom prst="rect">
+            <a:avLst/>
+          </a:prstGeom>
+        </p:spPr>
+      </p:pic>
+    </p:spTree>
+    <p:extLst>
+      <p:ext uri="{BB962C8B-B14F-4D97-AF65-F5344CB8AC3E}">
+        <p14:creationId xmlns:p14="http://schemas.microsoft.com/office/powerpoint/2010/main" val="1035156529"/>
+      </p:ext>
+    </p:extLst>
+  </p:cSld>
+  <p:clrMapOvr>
+    <a:masterClrMapping/>
+  </p:clrMapOvr>
+</p:sld>
+</file>
+
+<file path=ppt/slides/slide14.xml><?xml version="1.0" encoding="utf-8"?>
+<p:sld xmlns:a="http://schemas.openxmlformats.org/drawingml/2006/main" xmlns:r="http://schemas.openxmlformats.org/officeDocument/2006/relationships" xmlns:p="http://schemas.openxmlformats.org/presentationml/2006/main">
+  <p:cSld>
+    <p:spTree>
+      <p:nvGrpSpPr>
+        <p:cNvPr id="1" name=""/>
+        <p:cNvGrpSpPr/>
+        <p:nvPr/>
+      </p:nvGrpSpPr>
+      <p:grpSpPr>
+        <a:xfrm>
+          <a:off x="0" y="0"/>
+          <a:ext cx="0" cy="0"/>
+          <a:chOff x="0" y="0"/>
+          <a:chExt cx="0" cy="0"/>
+        </a:xfrm>
+      </p:grpSpPr>
+      <p:sp>
+        <p:nvSpPr>
+          <p:cNvPr id="2" name="标题 1">
+            <a:extLst>
+              <a:ext uri="{FF2B5EF4-FFF2-40B4-BE49-F238E27FC236}">
+                <a16:creationId xmlns:a16="http://schemas.microsoft.com/office/drawing/2014/main" id="{DBEE4F64-76D1-421A-8F8A-95E95CEA86DF}"/>
+              </a:ext>
+            </a:extLst>
+          </p:cNvPr>
+          <p:cNvSpPr>
+            <a:spLocks noGrp="1"/>
+          </p:cNvSpPr>
+          <p:nvPr>
+            <p:ph type="title"/>
+          </p:nvPr>
+        </p:nvSpPr>
+        <p:spPr/>
+        <p:txBody>
+          <a:bodyPr/>
+          <a:lstStyle/>
+          <a:p>
+            <a:r>
+              <a:rPr lang="en-US" altLang="zh-CN" dirty="0"/>
+              <a:t>3.2	</a:t>
+            </a:r>
+            <a:r>
+              <a:rPr lang="zh-CN" altLang="en-US" dirty="0"/>
+              <a:t>编辑者之间的相关关系</a:t>
+            </a:r>
+          </a:p>
+        </p:txBody>
+      </p:sp>
+      <p:sp>
+        <p:nvSpPr>
+          <p:cNvPr id="3" name="灯片编号占位符 2">
+            <a:extLst>
+              <a:ext uri="{FF2B5EF4-FFF2-40B4-BE49-F238E27FC236}">
+                <a16:creationId xmlns:a16="http://schemas.microsoft.com/office/drawing/2014/main" id="{A89B0870-A925-4420-B531-FAA2A8B7FFAA}"/>
+              </a:ext>
+            </a:extLst>
+          </p:cNvPr>
+          <p:cNvSpPr>
+            <a:spLocks noGrp="1"/>
+          </p:cNvSpPr>
+          <p:nvPr>
+            <p:ph type="sldNum" sz="quarter" idx="12"/>
+          </p:nvPr>
+        </p:nvSpPr>
+        <p:spPr/>
+        <p:txBody>
+          <a:bodyPr/>
+          <a:lstStyle/>
+          <a:p>
+            <a:fld id="{5DD3DB80-B894-403A-B48E-6FDC1A72010E}" type="slidenum">
+              <a:rPr lang="zh-CN" altLang="en-US" smtClean="0"/>
+              <a:pPr/>
+              <a:t>14</a:t>
+            </a:fld>
+            <a:endParaRPr lang="zh-CN" altLang="en-US"/>
+          </a:p>
+        </p:txBody>
+      </p:sp>
+      <p:sp>
+        <p:nvSpPr>
+          <p:cNvPr id="4" name="文本框 3">
+            <a:extLst>
+              <a:ext uri="{FF2B5EF4-FFF2-40B4-BE49-F238E27FC236}">
+                <a16:creationId xmlns:a16="http://schemas.microsoft.com/office/drawing/2014/main" id="{0D53032A-3839-4EE1-9CD6-D31E9B4B07E8}"/>
+              </a:ext>
+            </a:extLst>
+          </p:cNvPr>
+          <p:cNvSpPr txBox="1"/>
+          <p:nvPr/>
+        </p:nvSpPr>
+        <p:spPr>
+          <a:xfrm>
+            <a:off x="778669" y="1464469"/>
+            <a:ext cx="9379744" cy="2308324"/>
+          </a:xfrm>
+          <a:prstGeom prst="rect">
+            <a:avLst/>
+          </a:prstGeom>
+          <a:noFill/>
+        </p:spPr>
+        <p:txBody>
+          <a:bodyPr wrap="square" rtlCol="0">
+            <a:spAutoFit/>
+          </a:bodyPr>
+          <a:lstStyle/>
+          <a:p>
+            <a:r>
+              <a:rPr lang="zh-CN" altLang="en-US" dirty="0"/>
+              <a:t>相关关系通过数据项的</a:t>
+            </a:r>
+            <a:r>
+              <a:rPr lang="en-US" altLang="zh-CN" dirty="0"/>
+              <a:t>Note</a:t>
+            </a:r>
+            <a:r>
+              <a:rPr lang="zh-CN" altLang="en-US" dirty="0"/>
+              <a:t>属性提取</a:t>
+            </a:r>
+            <a:endParaRPr lang="en-US" altLang="zh-CN" dirty="0"/>
+          </a:p>
+          <a:p>
+            <a:r>
+              <a:rPr lang="zh-CN" altLang="en-US" dirty="0"/>
+              <a:t>提取规则：</a:t>
+            </a:r>
+            <a:endParaRPr lang="en-US" altLang="zh-CN" dirty="0"/>
+          </a:p>
+          <a:p>
+            <a:r>
+              <a:rPr lang="en-US" altLang="zh-CN" dirty="0"/>
+              <a:t>	1</a:t>
+            </a:r>
+            <a:r>
+              <a:rPr lang="zh-CN" altLang="en-US" dirty="0"/>
+              <a:t>、编辑者</a:t>
+            </a:r>
+            <a:r>
+              <a:rPr lang="en-US" altLang="zh-CN" dirty="0"/>
+              <a:t>A</a:t>
+            </a:r>
+            <a:r>
+              <a:rPr lang="zh-CN" altLang="en-US" dirty="0"/>
+              <a:t>撤销了编辑者</a:t>
+            </a:r>
+            <a:r>
+              <a:rPr lang="en-US" altLang="zh-CN" dirty="0"/>
+              <a:t>B</a:t>
+            </a:r>
+            <a:r>
+              <a:rPr lang="zh-CN" altLang="en-US" dirty="0"/>
+              <a:t>进行的修改，视为</a:t>
+            </a:r>
+            <a:r>
+              <a:rPr lang="en-US" altLang="zh-CN" dirty="0"/>
+              <a:t>AB</a:t>
+            </a:r>
+            <a:r>
+              <a:rPr lang="zh-CN" altLang="en-US" dirty="0"/>
+              <a:t>有相关关系</a:t>
+            </a:r>
+            <a:endParaRPr lang="en-US" altLang="zh-CN" dirty="0"/>
+          </a:p>
+          <a:p>
+            <a:r>
+              <a:rPr lang="en-US" altLang="zh-CN" dirty="0"/>
+              <a:t>	2</a:t>
+            </a:r>
+            <a:r>
+              <a:rPr lang="zh-CN" altLang="en-US" dirty="0"/>
+              <a:t>、编辑者</a:t>
+            </a:r>
+            <a:r>
+              <a:rPr lang="en-US" altLang="zh-CN" dirty="0"/>
+              <a:t>A</a:t>
+            </a:r>
+            <a:r>
+              <a:rPr lang="zh-CN" altLang="en-US" dirty="0"/>
+              <a:t>在</a:t>
+            </a:r>
+            <a:r>
+              <a:rPr lang="en-US" altLang="zh-CN" dirty="0"/>
+              <a:t>Note</a:t>
+            </a:r>
+            <a:r>
+              <a:rPr lang="zh-CN" altLang="en-US" dirty="0"/>
+              <a:t>中提到了编辑者</a:t>
+            </a:r>
+            <a:r>
+              <a:rPr lang="en-US" altLang="zh-CN" dirty="0"/>
+              <a:t>B</a:t>
+            </a:r>
+            <a:r>
+              <a:rPr lang="zh-CN" altLang="en-US" dirty="0"/>
+              <a:t>，视为</a:t>
+            </a:r>
+            <a:r>
+              <a:rPr lang="en-US" altLang="zh-CN" dirty="0"/>
+              <a:t>AB</a:t>
+            </a:r>
+            <a:r>
+              <a:rPr lang="zh-CN" altLang="en-US" dirty="0"/>
+              <a:t>有相关关系</a:t>
+            </a:r>
+            <a:endParaRPr lang="en-US" altLang="zh-CN" dirty="0"/>
+          </a:p>
+          <a:p>
+            <a:endParaRPr lang="en-US" altLang="zh-CN" dirty="0"/>
+          </a:p>
+          <a:p>
+            <a:r>
+              <a:rPr lang="zh-CN" altLang="en-US" dirty="0"/>
+              <a:t>提取出相关关系后绘制关系网络图，并观察：</a:t>
+            </a:r>
+            <a:endParaRPr lang="en-US" altLang="zh-CN" dirty="0"/>
+          </a:p>
+          <a:p>
+            <a:r>
+              <a:rPr lang="en-US" altLang="zh-CN" dirty="0"/>
+              <a:t>	1</a:t>
+            </a:r>
+            <a:r>
+              <a:rPr lang="zh-CN" altLang="en-US" dirty="0"/>
+              <a:t>、能否划分编辑者阵营</a:t>
+            </a:r>
+            <a:endParaRPr lang="en-US" altLang="zh-CN" dirty="0"/>
+          </a:p>
+          <a:p>
+            <a:r>
+              <a:rPr lang="en-US" altLang="zh-CN" dirty="0"/>
+              <a:t>	2</a:t>
+            </a:r>
+            <a:r>
+              <a:rPr lang="zh-CN" altLang="en-US" dirty="0"/>
+              <a:t>、不同编辑者的影响力</a:t>
+            </a:r>
+          </a:p>
+        </p:txBody>
+      </p:sp>
+    </p:spTree>
+    <p:extLst>
+      <p:ext uri="{BB962C8B-B14F-4D97-AF65-F5344CB8AC3E}">
+        <p14:creationId xmlns:p14="http://schemas.microsoft.com/office/powerpoint/2010/main" val="3475067468"/>
+      </p:ext>
+    </p:extLst>
+  </p:cSld>
+  <p:clrMapOvr>
+    <a:masterClrMapping/>
+  </p:clrMapOvr>
+</p:sld>
+</file>
+
+<file path=ppt/slides/slide15.xml><?xml version="1.0" encoding="utf-8"?>
+<p:sld xmlns:a="http://schemas.openxmlformats.org/drawingml/2006/main" xmlns:r="http://schemas.openxmlformats.org/officeDocument/2006/relationships" xmlns:p="http://schemas.openxmlformats.org/presentationml/2006/main">
+  <p:cSld>
+    <p:spTree>
+      <p:nvGrpSpPr>
         <p:cNvPr id="1" name="îšḻîḓê"/>
         <p:cNvGrpSpPr/>
         <p:nvPr/>
@@ -4318,7 +4782,199 @@
 </p:sld>
 </file>
 
-<file path=ppt/slides/slide14.xml><?xml version="1.0" encoding="utf-8"?>
+<file path=ppt/slides/slide16.xml><?xml version="1.0" encoding="utf-8"?>
+<p:sld xmlns:a="http://schemas.openxmlformats.org/drawingml/2006/main" xmlns:r="http://schemas.openxmlformats.org/officeDocument/2006/relationships" xmlns:p="http://schemas.openxmlformats.org/presentationml/2006/main">
+  <p:cSld>
+    <p:spTree>
+      <p:nvGrpSpPr>
+        <p:cNvPr id="1" name=""/>
+        <p:cNvGrpSpPr/>
+        <p:nvPr/>
+      </p:nvGrpSpPr>
+      <p:grpSpPr>
+        <a:xfrm>
+          <a:off x="0" y="0"/>
+          <a:ext cx="0" cy="0"/>
+          <a:chOff x="0" y="0"/>
+          <a:chExt cx="0" cy="0"/>
+        </a:xfrm>
+      </p:grpSpPr>
+      <p:sp>
+        <p:nvSpPr>
+          <p:cNvPr id="4" name="标题 3">
+            <a:extLst>
+              <a:ext uri="{FF2B5EF4-FFF2-40B4-BE49-F238E27FC236}">
+                <a16:creationId xmlns:a16="http://schemas.microsoft.com/office/drawing/2014/main" id="{60BC559D-EF11-4E2A-8690-CB80AC48CE27}"/>
+              </a:ext>
+            </a:extLst>
+          </p:cNvPr>
+          <p:cNvSpPr>
+            <a:spLocks noGrp="1"/>
+          </p:cNvSpPr>
+          <p:nvPr>
+            <p:ph type="title"/>
+          </p:nvPr>
+        </p:nvSpPr>
+        <p:spPr/>
+        <p:txBody>
+          <a:bodyPr/>
+          <a:lstStyle/>
+          <a:p>
+            <a:r>
+              <a:rPr lang="zh-CN" altLang="en-US" dirty="0"/>
+              <a:t>问题</a:t>
+            </a:r>
+          </a:p>
+        </p:txBody>
+      </p:sp>
+      <p:sp>
+        <p:nvSpPr>
+          <p:cNvPr id="3" name="灯片编号占位符 2">
+            <a:extLst>
+              <a:ext uri="{FF2B5EF4-FFF2-40B4-BE49-F238E27FC236}">
+                <a16:creationId xmlns:a16="http://schemas.microsoft.com/office/drawing/2014/main" id="{25704A56-DC25-41AC-80C1-8DF140A9ACC6}"/>
+              </a:ext>
+            </a:extLst>
+          </p:cNvPr>
+          <p:cNvSpPr>
+            <a:spLocks noGrp="1"/>
+          </p:cNvSpPr>
+          <p:nvPr>
+            <p:ph type="sldNum" sz="quarter" idx="12"/>
+          </p:nvPr>
+        </p:nvSpPr>
+        <p:spPr/>
+        <p:txBody>
+          <a:bodyPr/>
+          <a:lstStyle/>
+          <a:p>
+            <a:fld id="{5DD3DB80-B894-403A-B48E-6FDC1A72010E}" type="slidenum">
+              <a:rPr lang="zh-CN" altLang="en-US" smtClean="0"/>
+              <a:pPr/>
+              <a:t>16</a:t>
+            </a:fld>
+            <a:endParaRPr lang="zh-CN" altLang="en-US"/>
+          </a:p>
+        </p:txBody>
+      </p:sp>
+      <p:sp>
+        <p:nvSpPr>
+          <p:cNvPr id="11" name="文本框 10">
+            <a:extLst>
+              <a:ext uri="{FF2B5EF4-FFF2-40B4-BE49-F238E27FC236}">
+                <a16:creationId xmlns:a16="http://schemas.microsoft.com/office/drawing/2014/main" id="{FB15C601-251F-4874-B234-59E07DDF19E1}"/>
+              </a:ext>
+            </a:extLst>
+          </p:cNvPr>
+          <p:cNvSpPr txBox="1"/>
+          <p:nvPr/>
+        </p:nvSpPr>
+        <p:spPr>
+          <a:xfrm>
+            <a:off x="5639990" y="2971800"/>
+            <a:ext cx="914400" cy="914400"/>
+          </a:xfrm>
+          <a:prstGeom prst="rect">
+            <a:avLst/>
+          </a:prstGeom>
+          <a:noFill/>
+        </p:spPr>
+        <p:txBody>
+          <a:bodyPr wrap="square" rtlCol="0">
+            <a:spAutoFit/>
+          </a:bodyPr>
+          <a:lstStyle/>
+          <a:p>
+            <a:endParaRPr lang="zh-CN" altLang="en-US" dirty="0"/>
+          </a:p>
+        </p:txBody>
+      </p:sp>
+      <p:sp>
+        <p:nvSpPr>
+          <p:cNvPr id="12" name="文本框 11">
+            <a:extLst>
+              <a:ext uri="{FF2B5EF4-FFF2-40B4-BE49-F238E27FC236}">
+                <a16:creationId xmlns:a16="http://schemas.microsoft.com/office/drawing/2014/main" id="{099A4368-368E-49A0-BD27-0C89D568B0AE}"/>
+              </a:ext>
+            </a:extLst>
+          </p:cNvPr>
+          <p:cNvSpPr txBox="1"/>
+          <p:nvPr/>
+        </p:nvSpPr>
+        <p:spPr>
+          <a:xfrm>
+            <a:off x="721519" y="1264444"/>
+            <a:ext cx="10679906" cy="1200329"/>
+          </a:xfrm>
+          <a:prstGeom prst="rect">
+            <a:avLst/>
+          </a:prstGeom>
+          <a:noFill/>
+        </p:spPr>
+        <p:txBody>
+          <a:bodyPr wrap="square" rtlCol="0">
+            <a:spAutoFit/>
+          </a:bodyPr>
+          <a:lstStyle/>
+          <a:p>
+            <a:r>
+              <a:rPr lang="en-US" altLang="zh-CN" dirty="0"/>
+              <a:t>1</a:t>
+            </a:r>
+            <a:r>
+              <a:rPr lang="zh-CN" altLang="en-US" dirty="0"/>
+              <a:t>、正常的编辑模式是怎样的（某个段落在作者部分形成修改链条）</a:t>
+            </a:r>
+            <a:endParaRPr lang="en-US" altLang="zh-CN" dirty="0"/>
+          </a:p>
+          <a:p>
+            <a:r>
+              <a:rPr lang="en-US" altLang="zh-CN" dirty="0"/>
+              <a:t>2</a:t>
+            </a:r>
+            <a:r>
+              <a:rPr lang="zh-CN" altLang="en-US" dirty="0"/>
+              <a:t>、如何发现异常的编辑</a:t>
+            </a:r>
+            <a:endParaRPr lang="en-US" altLang="zh-CN" dirty="0"/>
+          </a:p>
+          <a:p>
+            <a:r>
+              <a:rPr lang="en-US" altLang="zh-CN" dirty="0"/>
+              <a:t>3</a:t>
+            </a:r>
+            <a:r>
+              <a:rPr lang="zh-CN" altLang="en-US" dirty="0"/>
+              <a:t>、异常的编辑有哪些（全部删除、两人）</a:t>
+            </a:r>
+            <a:endParaRPr lang="en-US" altLang="zh-CN" dirty="0"/>
+          </a:p>
+          <a:p>
+            <a:r>
+              <a:rPr lang="en-US" altLang="zh-CN" dirty="0"/>
+              <a:t>4</a:t>
+            </a:r>
+            <a:r>
+              <a:rPr lang="zh-CN" altLang="en-US" dirty="0"/>
+              <a:t>、</a:t>
+            </a:r>
+          </a:p>
+        </p:txBody>
+      </p:sp>
+    </p:spTree>
+    <p:extLst>
+      <p:ext uri="{BB962C8B-B14F-4D97-AF65-F5344CB8AC3E}">
+        <p14:creationId xmlns:p14="http://schemas.microsoft.com/office/powerpoint/2010/main" val="1859883423"/>
+      </p:ext>
+    </p:extLst>
+  </p:cSld>
+  <p:clrMapOvr>
+    <a:masterClrMapping/>
+  </p:clrMapOvr>
+</p:sld>
+</file>
+
+<file path=ppt/slides/slide17.xml><?xml version="1.0" encoding="utf-8"?>
 <p:sld xmlns:a="http://schemas.openxmlformats.org/drawingml/2006/main" xmlns:r="http://schemas.openxmlformats.org/officeDocument/2006/relationships" xmlns:p="http://schemas.openxmlformats.org/presentationml/2006/main">
   <p:cSld>
     <p:spTree>
@@ -4391,7 +5047,7 @@
             <a:fld id="{5DD3DB80-B894-403A-B48E-6FDC1A72010E}" type="slidenum">
               <a:rPr lang="zh-CN" altLang="en-US" smtClean="0"/>
               <a:pPr/>
-              <a:t>14</a:t>
+              <a:t>17</a:t>
             </a:fld>
             <a:endParaRPr lang="zh-CN" altLang="en-US"/>
           </a:p>
@@ -4641,7 +5297,7 @@
 </p:sld>
 </file>
 
-<file path=ppt/slides/slide15.xml><?xml version="1.0" encoding="utf-8"?>
+<file path=ppt/slides/slide18.xml><?xml version="1.0" encoding="utf-8"?>
 <p:sld xmlns:a="http://schemas.openxmlformats.org/drawingml/2006/main" xmlns:r="http://schemas.openxmlformats.org/officeDocument/2006/relationships" xmlns:p="http://schemas.openxmlformats.org/presentationml/2006/main">
   <p:cSld>
     <p:spTree>
@@ -4718,7 +5374,7 @@
             <a:fld id="{5DD3DB80-B894-403A-B48E-6FDC1A72010E}" type="slidenum">
               <a:rPr lang="zh-CN" altLang="en-US" smtClean="0"/>
               <a:pPr/>
-              <a:t>15</a:t>
+              <a:t>18</a:t>
             </a:fld>
             <a:endParaRPr lang="zh-CN" altLang="en-US"/>
           </a:p>
@@ -4965,7 +5621,7 @@
 </p:sld>
 </file>
 
-<file path=ppt/slides/slide16.xml><?xml version="1.0" encoding="utf-8"?>
+<file path=ppt/slides/slide19.xml><?xml version="1.0" encoding="utf-8"?>
 <p:sld xmlns:a="http://schemas.openxmlformats.org/drawingml/2006/main" xmlns:r="http://schemas.openxmlformats.org/officeDocument/2006/relationships" xmlns:p="http://schemas.openxmlformats.org/presentationml/2006/main">
   <p:cSld>
     <p:spTree>
@@ -9233,6 +9889,21 @@
 </file>
 
 <file path=customXml/item1.xml><?xml version="1.0" encoding="utf-8"?>
+<?mso-contentType ?>
+<FormTemplates xmlns="http://schemas.microsoft.com/sharepoint/v3/contenttype/forms">
+  <Display>DocumentLibraryForm</Display>
+  <Edit>DocumentLibraryForm</Edit>
+  <New>DocumentLibraryForm</New>
+</FormTemplates>
+</file>
+
+<file path=customXml/item2.xml><?xml version="1.0" encoding="utf-8"?>
+<p:properties xmlns:p="http://schemas.microsoft.com/office/2006/metadata/properties" xmlns:xsi="http://www.w3.org/2001/XMLSchema-instance" xmlns:pc="http://schemas.microsoft.com/office/infopath/2007/PartnerControls">
+  <documentManagement/>
+</p:properties>
+</file>
+
+<file path=customXml/item3.xml><?xml version="1.0" encoding="utf-8"?>
 <ct:contentTypeSchema xmlns:ct="http://schemas.microsoft.com/office/2006/metadata/contentType" xmlns:ma="http://schemas.microsoft.com/office/2006/metadata/properties/metaAttributes" ct:_="" ma:_="" ma:contentTypeName="文档" ma:contentTypeID="0x010100AF5A9F4AF7B1214BB9BCD0B3AB684B1E" ma:contentTypeVersion="11" ma:contentTypeDescription="新建文档。" ma:contentTypeScope="" ma:versionID="e0e194eac772722c701c66ab720b3cc1">
   <xsd:schema xmlns:xsd="http://www.w3.org/2001/XMLSchema" xmlns:xs="http://www.w3.org/2001/XMLSchema" xmlns:p="http://schemas.microsoft.com/office/2006/metadata/properties" xmlns:ns3="3331585e-4311-40a3-8c56-d0c6487e8ddb" targetNamespace="http://schemas.microsoft.com/office/2006/metadata/properties" ma:root="true" ma:fieldsID="6ace4ff6ac584fc9cf0da3cd0a48bca0" ns3:_="">
     <xsd:import namespace="3331585e-4311-40a3-8c56-d0c6487e8ddb"/>
@@ -9422,35 +10093,10 @@
 </ct:contentTypeSchema>
 </file>
 
-<file path=customXml/item2.xml><?xml version="1.0" encoding="utf-8"?>
-<p:properties xmlns:p="http://schemas.microsoft.com/office/2006/metadata/properties" xmlns:xsi="http://www.w3.org/2001/XMLSchema-instance" xmlns:pc="http://schemas.microsoft.com/office/infopath/2007/PartnerControls">
-  <documentManagement/>
-</p:properties>
-</file>
-
-<file path=customXml/item3.xml><?xml version="1.0" encoding="utf-8"?>
-<?mso-contentType ?>
-<FormTemplates xmlns="http://schemas.microsoft.com/sharepoint/v3/contenttype/forms">
-  <Display>DocumentLibraryForm</Display>
-  <Edit>DocumentLibraryForm</Edit>
-  <New>DocumentLibraryForm</New>
-</FormTemplates>
-</file>
-
 <file path=customXml/itemProps1.xml><?xml version="1.0" encoding="utf-8"?>
-<ds:datastoreItem xmlns:ds="http://schemas.openxmlformats.org/officeDocument/2006/customXml" ds:itemID="{D7ACB769-BA5A-40D9-9B55-57C2CE06717C}">
+<ds:datastoreItem xmlns:ds="http://schemas.openxmlformats.org/officeDocument/2006/customXml" ds:itemID="{2F285927-3186-4819-A560-A3A9A3E27021}">
   <ds:schemaRefs>
-    <ds:schemaRef ds:uri="http://schemas.microsoft.com/office/2006/metadata/contentType"/>
-    <ds:schemaRef ds:uri="http://schemas.microsoft.com/office/2006/metadata/properties/metaAttributes"/>
-    <ds:schemaRef ds:uri="http://www.w3.org/2001/XMLSchema"/>
-    <ds:schemaRef ds:uri="http://schemas.microsoft.com/office/2006/metadata/properties"/>
-    <ds:schemaRef ds:uri="3331585e-4311-40a3-8c56-d0c6487e8ddb"/>
-    <ds:schemaRef ds:uri="http://schemas.microsoft.com/office/2006/documentManagement/types"/>
-    <ds:schemaRef ds:uri="http://schemas.microsoft.com/office/infopath/2007/PartnerControls"/>
-    <ds:schemaRef ds:uri="http://schemas.openxmlformats.org/package/2006/metadata/core-properties"/>
-    <ds:schemaRef ds:uri="http://purl.org/dc/elements/1.1/"/>
-    <ds:schemaRef ds:uri="http://purl.org/dc/terms/"/>
-    <ds:schemaRef ds:uri="http://schemas.microsoft.com/internal/obd"/>
+    <ds:schemaRef ds:uri="http://schemas.microsoft.com/sharepoint/v3/contenttype/forms"/>
   </ds:schemaRefs>
 </ds:datastoreItem>
 </file>
@@ -9472,9 +10118,19 @@
 </file>
 
 <file path=customXml/itemProps3.xml><?xml version="1.0" encoding="utf-8"?>
-<ds:datastoreItem xmlns:ds="http://schemas.openxmlformats.org/officeDocument/2006/customXml" ds:itemID="{2F285927-3186-4819-A560-A3A9A3E27021}">
+<ds:datastoreItem xmlns:ds="http://schemas.openxmlformats.org/officeDocument/2006/customXml" ds:itemID="{D7ACB769-BA5A-40D9-9B55-57C2CE06717C}">
   <ds:schemaRefs>
-    <ds:schemaRef ds:uri="http://schemas.microsoft.com/sharepoint/v3/contenttype/forms"/>
+    <ds:schemaRef ds:uri="http://schemas.microsoft.com/office/2006/metadata/contentType"/>
+    <ds:schemaRef ds:uri="http://schemas.microsoft.com/office/2006/metadata/properties/metaAttributes"/>
+    <ds:schemaRef ds:uri="http://www.w3.org/2001/XMLSchema"/>
+    <ds:schemaRef ds:uri="http://schemas.microsoft.com/office/2006/metadata/properties"/>
+    <ds:schemaRef ds:uri="3331585e-4311-40a3-8c56-d0c6487e8ddb"/>
+    <ds:schemaRef ds:uri="http://schemas.microsoft.com/office/2006/documentManagement/types"/>
+    <ds:schemaRef ds:uri="http://schemas.microsoft.com/office/infopath/2007/PartnerControls"/>
+    <ds:schemaRef ds:uri="http://schemas.openxmlformats.org/package/2006/metadata/core-properties"/>
+    <ds:schemaRef ds:uri="http://purl.org/dc/elements/1.1/"/>
+    <ds:schemaRef ds:uri="http://purl.org/dc/terms/"/>
+    <ds:schemaRef ds:uri="http://schemas.microsoft.com/internal/obd"/>
   </ds:schemaRefs>
 </ds:datastoreItem>
 </file>